--- a/docs/diagrams/UndoRedoNewCommand1StateListDiagram.pptx
+++ b/docs/diagrams/UndoRedoNewCommand1StateListDiagram.pptx
@@ -112,10 +112,6 @@
 </p:presentation>
 </file>
 
-<file path=ppt/revisionInfo.xml><?xml version="1.0" encoding="utf-8"?>
-<p1510:revInfo xmlns:a="http://schemas.openxmlformats.org/drawingml/2006/main" xmlns:r="http://schemas.openxmlformats.org/officeDocument/2006/relationships" xmlns:p1510="http://schemas.microsoft.com/office/powerpoint/2015/10/main"/>
-</file>
-
 <file path=ppt/slideLayouts/slideLayout1.xml><?xml version="1.0" encoding="utf-8"?>
 <p:sldLayout xmlns:a="http://schemas.openxmlformats.org/drawingml/2006/main" xmlns:r="http://schemas.openxmlformats.org/officeDocument/2006/relationships" xmlns:p="http://schemas.openxmlformats.org/presentationml/2006/main" type="title" preserve="1">
   <p:cSld name="Title Slide">
@@ -265,7 +261,7 @@
           <a:p>
             <a:fld id="{03EC4E3E-8101-482F-A883-8B55DAFF7C07}" type="datetimeFigureOut">
               <a:rPr lang="en-SG" smtClean="0"/>
-              <a:t>6/7/2018</a:t>
+              <a:t>28/2/2019</a:t>
             </a:fld>
             <a:endParaRPr lang="en-SG"/>
           </a:p>
@@ -465,7 +461,7 @@
           <a:p>
             <a:fld id="{03EC4E3E-8101-482F-A883-8B55DAFF7C07}" type="datetimeFigureOut">
               <a:rPr lang="en-SG" smtClean="0"/>
-              <a:t>6/7/2018</a:t>
+              <a:t>28/2/2019</a:t>
             </a:fld>
             <a:endParaRPr lang="en-SG"/>
           </a:p>
@@ -675,7 +671,7 @@
           <a:p>
             <a:fld id="{03EC4E3E-8101-482F-A883-8B55DAFF7C07}" type="datetimeFigureOut">
               <a:rPr lang="en-SG" smtClean="0"/>
-              <a:t>6/7/2018</a:t>
+              <a:t>28/2/2019</a:t>
             </a:fld>
             <a:endParaRPr lang="en-SG"/>
           </a:p>
@@ -875,7 +871,7 @@
           <a:p>
             <a:fld id="{03EC4E3E-8101-482F-A883-8B55DAFF7C07}" type="datetimeFigureOut">
               <a:rPr lang="en-SG" smtClean="0"/>
-              <a:t>6/7/2018</a:t>
+              <a:t>28/2/2019</a:t>
             </a:fld>
             <a:endParaRPr lang="en-SG"/>
           </a:p>
@@ -1151,7 +1147,7 @@
           <a:p>
             <a:fld id="{03EC4E3E-8101-482F-A883-8B55DAFF7C07}" type="datetimeFigureOut">
               <a:rPr lang="en-SG" smtClean="0"/>
-              <a:t>6/7/2018</a:t>
+              <a:t>28/2/2019</a:t>
             </a:fld>
             <a:endParaRPr lang="en-SG"/>
           </a:p>
@@ -1419,7 +1415,7 @@
           <a:p>
             <a:fld id="{03EC4E3E-8101-482F-A883-8B55DAFF7C07}" type="datetimeFigureOut">
               <a:rPr lang="en-SG" smtClean="0"/>
-              <a:t>6/7/2018</a:t>
+              <a:t>28/2/2019</a:t>
             </a:fld>
             <a:endParaRPr lang="en-SG"/>
           </a:p>
@@ -1834,7 +1830,7 @@
           <a:p>
             <a:fld id="{03EC4E3E-8101-482F-A883-8B55DAFF7C07}" type="datetimeFigureOut">
               <a:rPr lang="en-SG" smtClean="0"/>
-              <a:t>6/7/2018</a:t>
+              <a:t>28/2/2019</a:t>
             </a:fld>
             <a:endParaRPr lang="en-SG"/>
           </a:p>
@@ -1976,7 +1972,7 @@
           <a:p>
             <a:fld id="{03EC4E3E-8101-482F-A883-8B55DAFF7C07}" type="datetimeFigureOut">
               <a:rPr lang="en-SG" smtClean="0"/>
-              <a:t>6/7/2018</a:t>
+              <a:t>28/2/2019</a:t>
             </a:fld>
             <a:endParaRPr lang="en-SG"/>
           </a:p>
@@ -2089,7 +2085,7 @@
           <a:p>
             <a:fld id="{03EC4E3E-8101-482F-A883-8B55DAFF7C07}" type="datetimeFigureOut">
               <a:rPr lang="en-SG" smtClean="0"/>
-              <a:t>6/7/2018</a:t>
+              <a:t>28/2/2019</a:t>
             </a:fld>
             <a:endParaRPr lang="en-SG"/>
           </a:p>
@@ -2402,7 +2398,7 @@
           <a:p>
             <a:fld id="{03EC4E3E-8101-482F-A883-8B55DAFF7C07}" type="datetimeFigureOut">
               <a:rPr lang="en-SG" smtClean="0"/>
-              <a:t>6/7/2018</a:t>
+              <a:t>28/2/2019</a:t>
             </a:fld>
             <a:endParaRPr lang="en-SG"/>
           </a:p>
@@ -2691,7 +2687,7 @@
           <a:p>
             <a:fld id="{03EC4E3E-8101-482F-A883-8B55DAFF7C07}" type="datetimeFigureOut">
               <a:rPr lang="en-SG" smtClean="0"/>
-              <a:t>6/7/2018</a:t>
+              <a:t>28/2/2019</a:t>
             </a:fld>
             <a:endParaRPr lang="en-SG"/>
           </a:p>
@@ -2934,7 +2930,7 @@
           <a:p>
             <a:fld id="{03EC4E3E-8101-482F-A883-8B55DAFF7C07}" type="datetimeFigureOut">
               <a:rPr lang="en-SG" smtClean="0"/>
-              <a:t>6/7/2018</a:t>
+              <a:t>28/2/2019</a:t>
             </a:fld>
             <a:endParaRPr lang="en-SG"/>
           </a:p>
@@ -3417,7 +3413,7 @@
         </p:nvGraphicFramePr>
         <p:xfrm>
           <a:off x="473240" y="1476102"/>
-          <a:ext cx="1833356" cy="410363"/>
+          <a:ext cx="1833356" cy="640080"/>
         </p:xfrm>
         <a:graphic>
           <a:graphicData uri="http://schemas.openxmlformats.org/drawingml/2006/table">
@@ -3446,7 +3442,7 @@
                       </a:r>
                       <a:r>
                         <a:rPr lang="en-SG" sz="1800" u="sng" dirty="0"/>
-                        <a:t>AddressBook</a:t>
+                        <a:t>voluncheerBook</a:t>
                       </a:r>
                       <a:endParaRPr lang="en-SG" sz="1600" u="sng" dirty="0"/>
                     </a:p>
@@ -3665,7 +3661,7 @@
         </p:nvGraphicFramePr>
         <p:xfrm>
           <a:off x="2448268" y="3926065"/>
-          <a:ext cx="1833356" cy="410363"/>
+          <a:ext cx="1833356" cy="640080"/>
         </p:xfrm>
         <a:graphic>
           <a:graphicData uri="http://schemas.openxmlformats.org/drawingml/2006/table">
@@ -3694,7 +3690,7 @@
                       </a:r>
                       <a:r>
                         <a:rPr lang="en-SG" sz="1800" u="sng" dirty="0"/>
-                        <a:t>AddressBook</a:t>
+                        <a:t>voluncheerBook</a:t>
                       </a:r>
                       <a:endParaRPr lang="en-SG" sz="1600" u="sng" dirty="0"/>
                     </a:p>
@@ -3733,7 +3729,7 @@
         </p:nvGraphicFramePr>
         <p:xfrm>
           <a:off x="473240" y="3918002"/>
-          <a:ext cx="1833356" cy="410363"/>
+          <a:ext cx="1833356" cy="640080"/>
         </p:xfrm>
         <a:graphic>
           <a:graphicData uri="http://schemas.openxmlformats.org/drawingml/2006/table">
@@ -3762,7 +3758,7 @@
                       </a:r>
                       <a:r>
                         <a:rPr lang="en-SG" sz="1800" u="sng" dirty="0"/>
-                        <a:t>AddressBook</a:t>
+                        <a:t>voluncheerBook</a:t>
                       </a:r>
                       <a:endParaRPr lang="en-SG" sz="1600" u="sng" dirty="0"/>
                     </a:p>
